--- a/PPT/1일차/1일 R 워드클라우드.pptx
+++ b/PPT/1일차/1일 R 워드클라우드.pptx
@@ -5,7 +5,7 @@
     <p:sldMasterId id="2147483648" r:id="rId1"/>
   </p:sldMasterIdLst>
   <p:notesMasterIdLst>
-    <p:notesMasterId r:id="rId10"/>
+    <p:notesMasterId r:id="rId12"/>
   </p:notesMasterIdLst>
   <p:sldIdLst>
     <p:sldId id="259" r:id="rId2"/>
@@ -15,7 +15,9 @@
     <p:sldId id="395" r:id="rId6"/>
     <p:sldId id="406" r:id="rId7"/>
     <p:sldId id="407" r:id="rId8"/>
-    <p:sldId id="408" r:id="rId9"/>
+    <p:sldId id="410" r:id="rId9"/>
+    <p:sldId id="408" r:id="rId10"/>
+    <p:sldId id="409" r:id="rId11"/>
   </p:sldIdLst>
   <p:sldSz cx="12192000" cy="6858000"/>
   <p:notesSz cx="6858000" cy="9144000"/>
@@ -3875,6 +3877,66 @@
 </p:sld>
 </file>
 
+<file path=ppt/slides/slide10.xml><?xml version="1.0" encoding="utf-8"?>
+<p:sld xmlns:a="http://schemas.openxmlformats.org/drawingml/2006/main" xmlns:r="http://schemas.openxmlformats.org/officeDocument/2006/relationships" xmlns:p="http://schemas.openxmlformats.org/presentationml/2006/main">
+  <p:cSld>
+    <p:spTree>
+      <p:nvGrpSpPr>
+        <p:cNvPr id="1" name=""/>
+        <p:cNvGrpSpPr/>
+        <p:nvPr/>
+      </p:nvGrpSpPr>
+      <p:grpSpPr>
+        <a:xfrm>
+          <a:off x="0" y="0"/>
+          <a:ext cx="0" cy="0"/>
+          <a:chOff x="0" y="0"/>
+          <a:chExt cx="0" cy="0"/>
+        </a:xfrm>
+      </p:grpSpPr>
+      <p:pic>
+        <p:nvPicPr>
+          <p:cNvPr id="4" name="그림 3">
+            <a:extLst>
+              <a:ext uri="{FF2B5EF4-FFF2-40B4-BE49-F238E27FC236}">
+                <a16:creationId xmlns:a16="http://schemas.microsoft.com/office/drawing/2014/main" id="{46775988-B91D-462A-937A-EE5E321CFC32}"/>
+              </a:ext>
+            </a:extLst>
+          </p:cNvPr>
+          <p:cNvPicPr>
+            <a:picLocks noChangeAspect="1"/>
+          </p:cNvPicPr>
+          <p:nvPr/>
+        </p:nvPicPr>
+        <p:blipFill>
+          <a:blip r:embed="rId2"/>
+          <a:stretch>
+            <a:fillRect/>
+          </a:stretch>
+        </p:blipFill>
+        <p:spPr>
+          <a:xfrm>
+            <a:off x="1841125" y="0"/>
+            <a:ext cx="8665509" cy="6685381"/>
+          </a:xfrm>
+          <a:prstGeom prst="rect">
+            <a:avLst/>
+          </a:prstGeom>
+        </p:spPr>
+      </p:pic>
+    </p:spTree>
+    <p:extLst>
+      <p:ext uri="{BB962C8B-B14F-4D97-AF65-F5344CB8AC3E}">
+        <p14:creationId xmlns:p14="http://schemas.microsoft.com/office/powerpoint/2010/main" val="3901130103"/>
+      </p:ext>
+    </p:extLst>
+  </p:cSld>
+  <p:clrMapOvr>
+    <a:masterClrMapping/>
+  </p:clrMapOvr>
+</p:sld>
+</file>
+
 <file path=ppt/slides/slide2.xml><?xml version="1.0" encoding="utf-8"?>
 <p:sld xmlns:a="http://schemas.openxmlformats.org/drawingml/2006/main" xmlns:r="http://schemas.openxmlformats.org/officeDocument/2006/relationships" xmlns:p="http://schemas.openxmlformats.org/presentationml/2006/main">
   <p:cSld>
@@ -5038,7 +5100,7 @@
         <p:spPr>
           <a:xfrm>
             <a:off x="1506071" y="63382"/>
-            <a:ext cx="9708776" cy="6124754"/>
+            <a:ext cx="9708776" cy="5262979"/>
           </a:xfrm>
           <a:prstGeom prst="rect">
             <a:avLst/>
@@ -5057,17 +5119,15 @@
             </a:r>
             <a:r>
               <a:rPr lang="ko-KR" altLang="en-US" sz="1400" dirty="0"/>
-              <a:t>() #현재 지정된 작업경로</a:t>
-            </a:r>
-          </a:p>
-          <a:p>
-            <a:endParaRPr lang="ko-KR" altLang="en-US" sz="1400" dirty="0"/>
+              <a:t>()</a:t>
+            </a:r>
           </a:p>
           <a:p>
             <a:r>
               <a:rPr lang="ko-KR" altLang="en-US" sz="1400" dirty="0"/>
-              <a:t>#install.packages("wordcloud2") #패키지 설치</a:t>
-            </a:r>
+              <a:t>#install.packages("wordcloud2") </a:t>
+            </a:r>
+            <a:endParaRPr lang="en-US" altLang="ko-KR" sz="1400" dirty="0"/>
           </a:p>
           <a:p>
             <a:r>
@@ -5118,8 +5178,9 @@
             </a:r>
             <a:r>
               <a:rPr lang="ko-KR" altLang="en-US" sz="1400" dirty="0"/>
-              <a:t>) #라이브러리 불러오기</a:t>
-            </a:r>
+              <a:t>) </a:t>
+            </a:r>
+            <a:endParaRPr lang="en-US" altLang="ko-KR" sz="1400" dirty="0"/>
           </a:p>
           <a:p>
             <a:r>
@@ -5128,7 +5189,7 @@
             </a:r>
             <a:r>
               <a:rPr lang="ko-KR" altLang="en-US" sz="1400" dirty="0"/>
-              <a:t>(wordcloud2) #라이브러리 불러오기</a:t>
+              <a:t>(wordcloud2)</a:t>
             </a:r>
           </a:p>
           <a:p>
@@ -5141,7 +5202,7 @@
             </a:r>
             <a:r>
               <a:rPr lang="ko-KR" altLang="en-US" sz="1400" dirty="0"/>
-              <a:t>() #한국어 사전 불러오기</a:t>
+              <a:t>() </a:t>
             </a:r>
           </a:p>
           <a:p>
@@ -5174,7 +5235,7 @@
             </a:r>
             <a:r>
               <a:rPr lang="ko-KR" altLang="en-US" sz="1400" dirty="0"/>
-              <a:t> = "UTF-8") #노래.txt 파일 utf-8형식으로 불러오기</a:t>
+              <a:t> = "UTF-8")</a:t>
             </a:r>
           </a:p>
           <a:p>
@@ -5188,7 +5249,7 @@
             </a:r>
             <a:r>
               <a:rPr lang="ko-KR" altLang="en-US" sz="1400" dirty="0"/>
-              <a:t>(텍스트파일자체) #줄 별로 읽기</a:t>
+              <a:t>(텍스트파일자체)</a:t>
             </a:r>
           </a:p>
           <a:p>
@@ -5231,7 +5292,7 @@
             </a:r>
             <a:r>
               <a:rPr lang="ko-KR" altLang="en-US" sz="1400" dirty="0"/>
-              <a:t>) #명사만 고르기</a:t>
+              <a:t>)</a:t>
             </a:r>
           </a:p>
           <a:p>
@@ -5245,7 +5306,7 @@
             </a:r>
             <a:r>
               <a:rPr lang="ko-KR" altLang="en-US" sz="1400" dirty="0"/>
-              <a:t>(명사만) #데이터 벡터화</a:t>
+              <a:t>(명사만)</a:t>
             </a:r>
           </a:p>
           <a:p>
@@ -5258,7 +5319,7 @@
             </a:r>
             <a:r>
               <a:rPr lang="ko-KR" altLang="en-US" sz="1400" dirty="0"/>
-              <a:t>(명사만, 30) #30개만 출력</a:t>
+              <a:t>(명사만, 30)</a:t>
             </a:r>
           </a:p>
           <a:p>
@@ -5279,42 +5340,6 @@
             </a:r>
           </a:p>
           <a:p>
-            <a:r>
-              <a:rPr lang="ko-KR" altLang="en-US" sz="1400" dirty="0"/>
-              <a:t>#위의 '명사만' 이라는 변수(데이터)</a:t>
-            </a:r>
-            <a:r>
-              <a:rPr lang="ko-KR" altLang="en-US" sz="1400" dirty="0" err="1"/>
-              <a:t>를</a:t>
-            </a:r>
-            <a:r>
-              <a:rPr lang="ko-KR" altLang="en-US" sz="1400" dirty="0"/>
-              <a:t> 같은 단어를 </a:t>
-            </a:r>
-          </a:p>
-          <a:p>
-            <a:r>
-              <a:rPr lang="ko-KR" altLang="en-US" sz="1400" dirty="0"/>
-              <a:t>#기준으로 합쳐서 </a:t>
-            </a:r>
-            <a:r>
-              <a:rPr lang="ko-KR" altLang="en-US" sz="1400" dirty="0" err="1"/>
-              <a:t>몇번</a:t>
-            </a:r>
-            <a:r>
-              <a:rPr lang="ko-KR" altLang="en-US" sz="1400" dirty="0"/>
-              <a:t> 중복 </a:t>
-            </a:r>
-            <a:r>
-              <a:rPr lang="ko-KR" altLang="en-US" sz="1400" dirty="0" err="1"/>
-              <a:t>됬는지</a:t>
-            </a:r>
-            <a:r>
-              <a:rPr lang="ko-KR" altLang="en-US" sz="1400" dirty="0"/>
-              <a:t> 계산</a:t>
-            </a:r>
-          </a:p>
-          <a:p>
             <a:endParaRPr lang="ko-KR" altLang="en-US" sz="1400" dirty="0"/>
           </a:p>
           <a:p>
@@ -5348,17 +5373,11 @@
             </a:r>
             <a:r>
               <a:rPr lang="ko-KR" altLang="en-US" sz="1400" dirty="0"/>
-              <a:t>), 30) #빈도수가 많은 순으로 30개 출력</a:t>
+              <a:t>), 30)</a:t>
             </a:r>
           </a:p>
           <a:p>
             <a:endParaRPr lang="ko-KR" altLang="en-US" sz="1400" dirty="0"/>
-          </a:p>
-          <a:p>
-            <a:r>
-              <a:rPr lang="ko-KR" altLang="en-US" sz="1400" dirty="0"/>
-              <a:t>#워드클라우드 생성</a:t>
-            </a:r>
           </a:p>
           <a:p>
             <a:r>
@@ -5431,6 +5450,92 @@
 </file>
 
 <file path=ppt/slides/slide8.xml><?xml version="1.0" encoding="utf-8"?>
+<p:sld xmlns:a="http://schemas.openxmlformats.org/drawingml/2006/main" xmlns:r="http://schemas.openxmlformats.org/officeDocument/2006/relationships" xmlns:p="http://schemas.openxmlformats.org/presentationml/2006/main">
+  <p:cSld>
+    <p:spTree>
+      <p:nvGrpSpPr>
+        <p:cNvPr id="1" name=""/>
+        <p:cNvGrpSpPr/>
+        <p:nvPr/>
+      </p:nvGrpSpPr>
+      <p:grpSpPr>
+        <a:xfrm>
+          <a:off x="0" y="0"/>
+          <a:ext cx="0" cy="0"/>
+          <a:chOff x="0" y="0"/>
+          <a:chExt cx="0" cy="0"/>
+        </a:xfrm>
+      </p:grpSpPr>
+      <p:sp>
+        <p:nvSpPr>
+          <p:cNvPr id="5" name="직사각형 4"/>
+          <p:cNvSpPr/>
+          <p:nvPr/>
+        </p:nvSpPr>
+        <p:spPr>
+          <a:xfrm>
+            <a:off x="3846733" y="2418482"/>
+            <a:ext cx="4095998" cy="2021035"/>
+          </a:xfrm>
+          <a:prstGeom prst="rect">
+            <a:avLst/>
+          </a:prstGeom>
+          <a:ln w="38100">
+            <a:solidFill>
+              <a:schemeClr val="tx1"/>
+            </a:solidFill>
+          </a:ln>
+        </p:spPr>
+        <p:style>
+          <a:lnRef idx="2">
+            <a:schemeClr val="dk1"/>
+          </a:lnRef>
+          <a:fillRef idx="1">
+            <a:schemeClr val="lt1"/>
+          </a:fillRef>
+          <a:effectRef idx="0">
+            <a:schemeClr val="dk1"/>
+          </a:effectRef>
+          <a:fontRef idx="minor">
+            <a:schemeClr val="dk1"/>
+          </a:fontRef>
+        </p:style>
+        <p:txBody>
+          <a:bodyPr rtlCol="0" anchor="ctr"/>
+          <a:lstStyle/>
+          <a:p>
+            <a:pPr algn="ctr"/>
+            <a:r>
+              <a:rPr lang="ko-KR" altLang="en-US" sz="6000" dirty="0" err="1">
+                <a:latin typeface="HY강B" panose="02030600000101010101" pitchFamily="18" charset="-127"/>
+                <a:ea typeface="HY강B" panose="02030600000101010101" pitchFamily="18" charset="-127"/>
+              </a:rPr>
+              <a:t>한줄</a:t>
+            </a:r>
+            <a:r>
+              <a:rPr lang="ko-KR" altLang="en-US" sz="6000" dirty="0">
+                <a:latin typeface="HY강B" panose="02030600000101010101" pitchFamily="18" charset="-127"/>
+                <a:ea typeface="HY강B" panose="02030600000101010101" pitchFamily="18" charset="-127"/>
+              </a:rPr>
+              <a:t> 씩 실행 하면서</a:t>
+            </a:r>
+          </a:p>
+        </p:txBody>
+      </p:sp>
+    </p:spTree>
+    <p:extLst>
+      <p:ext uri="{BB962C8B-B14F-4D97-AF65-F5344CB8AC3E}">
+        <p14:creationId xmlns:p14="http://schemas.microsoft.com/office/powerpoint/2010/main" val="4169558726"/>
+      </p:ext>
+    </p:extLst>
+  </p:cSld>
+  <p:clrMapOvr>
+    <a:masterClrMapping/>
+  </p:clrMapOvr>
+</p:sld>
+</file>
+
+<file path=ppt/slides/slide9.xml><?xml version="1.0" encoding="utf-8"?>
 <p:sld xmlns:a="http://schemas.openxmlformats.org/drawingml/2006/main" xmlns:r="http://schemas.openxmlformats.org/officeDocument/2006/relationships" xmlns:p="http://schemas.openxmlformats.org/presentationml/2006/main">
   <p:cSld>
     <p:spTree>
